--- a/wp-content/images/2019-06-15-netcli-pipeline/簡報1.pptx
+++ b/wp-content/images/2019-06-15-netcli-pipeline/簡報1.pptx
@@ -6,6 +6,7 @@
   </p:sldMasterIdLst>
   <p:sldIdLst>
     <p:sldId id="256" r:id="rId2"/>
+    <p:sldId id="257" r:id="rId3"/>
   </p:sldIdLst>
   <p:sldSz cx="12192000" cy="6858000"/>
   <p:notesSz cx="6858000" cy="9144000"/>
@@ -104,6 +105,11 @@
       </a:defRPr>
     </a:lvl9pPr>
   </p:defaultTextStyle>
+  <p:extLst>
+    <p:ext uri="{EFAFB233-063F-42B5-8137-9DF3F51BA10A}">
+      <p15:sldGuideLst xmlns:p15="http://schemas.microsoft.com/office/powerpoint/2012/main"/>
+    </p:ext>
+  </p:extLst>
 </p:presentation>
 </file>
 
@@ -256,7 +262,7 @@
           <a:p>
             <a:fld id="{730C94D5-EF94-4313-B196-343973030133}" type="datetimeFigureOut">
               <a:rPr lang="en-US" smtClean="0"/>
-              <a:t>6/15/2019</a:t>
+              <a:t>6/16/2019</a:t>
             </a:fld>
             <a:endParaRPr lang="en-US"/>
           </a:p>
@@ -456,7 +462,7 @@
           <a:p>
             <a:fld id="{730C94D5-EF94-4313-B196-343973030133}" type="datetimeFigureOut">
               <a:rPr lang="en-US" smtClean="0"/>
-              <a:t>6/15/2019</a:t>
+              <a:t>6/16/2019</a:t>
             </a:fld>
             <a:endParaRPr lang="en-US"/>
           </a:p>
@@ -666,7 +672,7 @@
           <a:p>
             <a:fld id="{730C94D5-EF94-4313-B196-343973030133}" type="datetimeFigureOut">
               <a:rPr lang="en-US" smtClean="0"/>
-              <a:t>6/15/2019</a:t>
+              <a:t>6/16/2019</a:t>
             </a:fld>
             <a:endParaRPr lang="en-US"/>
           </a:p>
@@ -866,7 +872,7 @@
           <a:p>
             <a:fld id="{730C94D5-EF94-4313-B196-343973030133}" type="datetimeFigureOut">
               <a:rPr lang="en-US" smtClean="0"/>
-              <a:t>6/15/2019</a:t>
+              <a:t>6/16/2019</a:t>
             </a:fld>
             <a:endParaRPr lang="en-US"/>
           </a:p>
@@ -1142,7 +1148,7 @@
           <a:p>
             <a:fld id="{730C94D5-EF94-4313-B196-343973030133}" type="datetimeFigureOut">
               <a:rPr lang="en-US" smtClean="0"/>
-              <a:t>6/15/2019</a:t>
+              <a:t>6/16/2019</a:t>
             </a:fld>
             <a:endParaRPr lang="en-US"/>
           </a:p>
@@ -1410,7 +1416,7 @@
           <a:p>
             <a:fld id="{730C94D5-EF94-4313-B196-343973030133}" type="datetimeFigureOut">
               <a:rPr lang="en-US" smtClean="0"/>
-              <a:t>6/15/2019</a:t>
+              <a:t>6/16/2019</a:t>
             </a:fld>
             <a:endParaRPr lang="en-US"/>
           </a:p>
@@ -1825,7 +1831,7 @@
           <a:p>
             <a:fld id="{730C94D5-EF94-4313-B196-343973030133}" type="datetimeFigureOut">
               <a:rPr lang="en-US" smtClean="0"/>
-              <a:t>6/15/2019</a:t>
+              <a:t>6/16/2019</a:t>
             </a:fld>
             <a:endParaRPr lang="en-US"/>
           </a:p>
@@ -1967,7 +1973,7 @@
           <a:p>
             <a:fld id="{730C94D5-EF94-4313-B196-343973030133}" type="datetimeFigureOut">
               <a:rPr lang="en-US" smtClean="0"/>
-              <a:t>6/15/2019</a:t>
+              <a:t>6/16/2019</a:t>
             </a:fld>
             <a:endParaRPr lang="en-US"/>
           </a:p>
@@ -2080,7 +2086,7 @@
           <a:p>
             <a:fld id="{730C94D5-EF94-4313-B196-343973030133}" type="datetimeFigureOut">
               <a:rPr lang="en-US" smtClean="0"/>
-              <a:t>6/15/2019</a:t>
+              <a:t>6/16/2019</a:t>
             </a:fld>
             <a:endParaRPr lang="en-US"/>
           </a:p>
@@ -2393,7 +2399,7 @@
           <a:p>
             <a:fld id="{730C94D5-EF94-4313-B196-343973030133}" type="datetimeFigureOut">
               <a:rPr lang="en-US" smtClean="0"/>
-              <a:t>6/15/2019</a:t>
+              <a:t>6/16/2019</a:t>
             </a:fld>
             <a:endParaRPr lang="en-US"/>
           </a:p>
@@ -2682,7 +2688,7 @@
           <a:p>
             <a:fld id="{730C94D5-EF94-4313-B196-343973030133}" type="datetimeFigureOut">
               <a:rPr lang="en-US" smtClean="0"/>
-              <a:t>6/15/2019</a:t>
+              <a:t>6/16/2019</a:t>
             </a:fld>
             <a:endParaRPr lang="en-US"/>
           </a:p>
@@ -2925,7 +2931,7 @@
           <a:p>
             <a:fld id="{730C94D5-EF94-4313-B196-343973030133}" type="datetimeFigureOut">
               <a:rPr lang="en-US" smtClean="0"/>
-              <a:t>6/15/2019</a:t>
+              <a:t>6/16/2019</a:t>
             </a:fld>
             <a:endParaRPr lang="en-US"/>
           </a:p>
@@ -5293,6 +5299,446 @@
 </p:sld>
 </file>
 
+<file path=ppt/slides/slide2.xml><?xml version="1.0" encoding="utf-8"?>
+<p:sld xmlns:a="http://schemas.openxmlformats.org/drawingml/2006/main" xmlns:r="http://schemas.openxmlformats.org/officeDocument/2006/relationships" xmlns:p="http://schemas.openxmlformats.org/presentationml/2006/main">
+  <p:cSld>
+    <p:spTree>
+      <p:nvGrpSpPr>
+        <p:cNvPr id="1" name=""/>
+        <p:cNvGrpSpPr/>
+        <p:nvPr/>
+      </p:nvGrpSpPr>
+      <p:grpSpPr>
+        <a:xfrm>
+          <a:off x="0" y="0"/>
+          <a:ext cx="0" cy="0"/>
+          <a:chOff x="0" y="0"/>
+          <a:chExt cx="0" cy="0"/>
+        </a:xfrm>
+      </p:grpSpPr>
+      <p:pic>
+        <p:nvPicPr>
+          <p:cNvPr id="4" name="圖片 3">
+            <a:extLst>
+              <a:ext uri="{FF2B5EF4-FFF2-40B4-BE49-F238E27FC236}">
+                <a16:creationId xmlns:a16="http://schemas.microsoft.com/office/drawing/2014/main" id="{46821533-5F45-4C81-AB48-710673207D86}"/>
+              </a:ext>
+            </a:extLst>
+          </p:cNvPr>
+          <p:cNvPicPr>
+            <a:picLocks noChangeAspect="1"/>
+          </p:cNvPicPr>
+          <p:nvPr/>
+        </p:nvPicPr>
+        <p:blipFill>
+          <a:blip r:embed="rId2"/>
+          <a:stretch>
+            <a:fillRect/>
+          </a:stretch>
+        </p:blipFill>
+        <p:spPr>
+          <a:xfrm>
+            <a:off x="700948" y="746677"/>
+            <a:ext cx="5886340" cy="4745376"/>
+          </a:xfrm>
+          <a:prstGeom prst="rect">
+            <a:avLst/>
+          </a:prstGeom>
+        </p:spPr>
+      </p:pic>
+      <p:cxnSp>
+        <p:nvCxnSpPr>
+          <p:cNvPr id="12" name="直線單箭頭接點 11">
+            <a:extLst>
+              <a:ext uri="{FF2B5EF4-FFF2-40B4-BE49-F238E27FC236}">
+                <a16:creationId xmlns:a16="http://schemas.microsoft.com/office/drawing/2014/main" id="{C8362C5B-C3CC-4E7A-8B96-FD8345CB7C7D}"/>
+              </a:ext>
+            </a:extLst>
+          </p:cNvPr>
+          <p:cNvCxnSpPr/>
+          <p:nvPr/>
+        </p:nvCxnSpPr>
+        <p:spPr>
+          <a:xfrm flipH="1">
+            <a:off x="4963027" y="1876926"/>
+            <a:ext cx="1034715" cy="0"/>
+          </a:xfrm>
+          <a:prstGeom prst="straightConnector1">
+            <a:avLst/>
+          </a:prstGeom>
+          <a:ln w="38100">
+            <a:tailEnd type="triangle"/>
+          </a:ln>
+        </p:spPr>
+        <p:style>
+          <a:lnRef idx="1">
+            <a:schemeClr val="accent1"/>
+          </a:lnRef>
+          <a:fillRef idx="0">
+            <a:schemeClr val="accent1"/>
+          </a:fillRef>
+          <a:effectRef idx="0">
+            <a:schemeClr val="accent1"/>
+          </a:effectRef>
+          <a:fontRef idx="minor">
+            <a:schemeClr val="tx1"/>
+          </a:fontRef>
+        </p:style>
+      </p:cxnSp>
+      <p:cxnSp>
+        <p:nvCxnSpPr>
+          <p:cNvPr id="13" name="直線單箭頭接點 12">
+            <a:extLst>
+              <a:ext uri="{FF2B5EF4-FFF2-40B4-BE49-F238E27FC236}">
+                <a16:creationId xmlns:a16="http://schemas.microsoft.com/office/drawing/2014/main" id="{4130FC54-CC8F-4AF0-AF67-01F0F6D7AE81}"/>
+              </a:ext>
+            </a:extLst>
+          </p:cNvPr>
+          <p:cNvCxnSpPr/>
+          <p:nvPr/>
+        </p:nvCxnSpPr>
+        <p:spPr>
+          <a:xfrm flipH="1">
+            <a:off x="3856122" y="1931068"/>
+            <a:ext cx="1034715" cy="0"/>
+          </a:xfrm>
+          <a:prstGeom prst="straightConnector1">
+            <a:avLst/>
+          </a:prstGeom>
+          <a:ln w="38100">
+            <a:tailEnd type="triangle"/>
+          </a:ln>
+        </p:spPr>
+        <p:style>
+          <a:lnRef idx="1">
+            <a:schemeClr val="accent1"/>
+          </a:lnRef>
+          <a:fillRef idx="0">
+            <a:schemeClr val="accent1"/>
+          </a:fillRef>
+          <a:effectRef idx="0">
+            <a:schemeClr val="accent1"/>
+          </a:effectRef>
+          <a:fontRef idx="minor">
+            <a:schemeClr val="tx1"/>
+          </a:fontRef>
+        </p:style>
+      </p:cxnSp>
+      <p:cxnSp>
+        <p:nvCxnSpPr>
+          <p:cNvPr id="14" name="直線單箭頭接點 13">
+            <a:extLst>
+              <a:ext uri="{FF2B5EF4-FFF2-40B4-BE49-F238E27FC236}">
+                <a16:creationId xmlns:a16="http://schemas.microsoft.com/office/drawing/2014/main" id="{26D94A3C-6B3A-4C59-B425-FF1E6E6DEF3F}"/>
+              </a:ext>
+            </a:extLst>
+          </p:cNvPr>
+          <p:cNvCxnSpPr>
+            <a:cxnSpLocks/>
+          </p:cNvCxnSpPr>
+          <p:nvPr/>
+        </p:nvCxnSpPr>
+        <p:spPr>
+          <a:xfrm>
+            <a:off x="2797343" y="3007894"/>
+            <a:ext cx="968541" cy="0"/>
+          </a:xfrm>
+          <a:prstGeom prst="straightConnector1">
+            <a:avLst/>
+          </a:prstGeom>
+          <a:ln w="38100">
+            <a:tailEnd type="triangle"/>
+          </a:ln>
+        </p:spPr>
+        <p:style>
+          <a:lnRef idx="1">
+            <a:schemeClr val="accent1"/>
+          </a:lnRef>
+          <a:fillRef idx="0">
+            <a:schemeClr val="accent1"/>
+          </a:fillRef>
+          <a:effectRef idx="0">
+            <a:schemeClr val="accent1"/>
+          </a:effectRef>
+          <a:fontRef idx="minor">
+            <a:schemeClr val="tx1"/>
+          </a:fontRef>
+        </p:style>
+      </p:cxnSp>
+      <p:cxnSp>
+        <p:nvCxnSpPr>
+          <p:cNvPr id="16" name="直線單箭頭接點 15">
+            <a:extLst>
+              <a:ext uri="{FF2B5EF4-FFF2-40B4-BE49-F238E27FC236}">
+                <a16:creationId xmlns:a16="http://schemas.microsoft.com/office/drawing/2014/main" id="{D3A852F1-FDF6-4BE4-BEC3-34402782CAB3}"/>
+              </a:ext>
+            </a:extLst>
+          </p:cNvPr>
+          <p:cNvCxnSpPr>
+            <a:cxnSpLocks/>
+          </p:cNvCxnSpPr>
+          <p:nvPr/>
+        </p:nvCxnSpPr>
+        <p:spPr>
+          <a:xfrm>
+            <a:off x="3889208" y="3693694"/>
+            <a:ext cx="968541" cy="0"/>
+          </a:xfrm>
+          <a:prstGeom prst="straightConnector1">
+            <a:avLst/>
+          </a:prstGeom>
+          <a:ln w="38100">
+            <a:tailEnd type="triangle"/>
+          </a:ln>
+        </p:spPr>
+        <p:style>
+          <a:lnRef idx="1">
+            <a:schemeClr val="accent1"/>
+          </a:lnRef>
+          <a:fillRef idx="0">
+            <a:schemeClr val="accent1"/>
+          </a:fillRef>
+          <a:effectRef idx="0">
+            <a:schemeClr val="accent1"/>
+          </a:effectRef>
+          <a:fontRef idx="minor">
+            <a:schemeClr val="tx1"/>
+          </a:fontRef>
+        </p:style>
+      </p:cxnSp>
+      <p:cxnSp>
+        <p:nvCxnSpPr>
+          <p:cNvPr id="17" name="直線單箭頭接點 16">
+            <a:extLst>
+              <a:ext uri="{FF2B5EF4-FFF2-40B4-BE49-F238E27FC236}">
+                <a16:creationId xmlns:a16="http://schemas.microsoft.com/office/drawing/2014/main" id="{C39DFF3E-A17E-4D37-B1C8-1B8A73EA8712}"/>
+              </a:ext>
+            </a:extLst>
+          </p:cNvPr>
+          <p:cNvCxnSpPr>
+            <a:cxnSpLocks/>
+          </p:cNvCxnSpPr>
+          <p:nvPr/>
+        </p:nvCxnSpPr>
+        <p:spPr>
+          <a:xfrm>
+            <a:off x="4963027" y="5053262"/>
+            <a:ext cx="2136609" cy="0"/>
+          </a:xfrm>
+          <a:prstGeom prst="straightConnector1">
+            <a:avLst/>
+          </a:prstGeom>
+          <a:ln w="38100">
+            <a:tailEnd type="triangle"/>
+          </a:ln>
+        </p:spPr>
+        <p:style>
+          <a:lnRef idx="1">
+            <a:schemeClr val="accent1"/>
+          </a:lnRef>
+          <a:fillRef idx="0">
+            <a:schemeClr val="accent1"/>
+          </a:fillRef>
+          <a:effectRef idx="0">
+            <a:schemeClr val="accent1"/>
+          </a:effectRef>
+          <a:fontRef idx="minor">
+            <a:schemeClr val="tx1"/>
+          </a:fontRef>
+        </p:style>
+      </p:cxnSp>
+      <p:cxnSp>
+        <p:nvCxnSpPr>
+          <p:cNvPr id="19" name="直線單箭頭接點 18">
+            <a:extLst>
+              <a:ext uri="{FF2B5EF4-FFF2-40B4-BE49-F238E27FC236}">
+                <a16:creationId xmlns:a16="http://schemas.microsoft.com/office/drawing/2014/main" id="{6D7FB129-A37C-47AA-B5A3-D1C6AD34C05A}"/>
+              </a:ext>
+            </a:extLst>
+          </p:cNvPr>
+          <p:cNvCxnSpPr/>
+          <p:nvPr/>
+        </p:nvCxnSpPr>
+        <p:spPr>
+          <a:xfrm flipH="1">
+            <a:off x="6064921" y="1828800"/>
+            <a:ext cx="1034715" cy="0"/>
+          </a:xfrm>
+          <a:prstGeom prst="straightConnector1">
+            <a:avLst/>
+          </a:prstGeom>
+          <a:ln w="38100">
+            <a:tailEnd type="triangle"/>
+          </a:ln>
+        </p:spPr>
+        <p:style>
+          <a:lnRef idx="1">
+            <a:schemeClr val="accent1"/>
+          </a:lnRef>
+          <a:fillRef idx="0">
+            <a:schemeClr val="accent1"/>
+          </a:fillRef>
+          <a:effectRef idx="0">
+            <a:schemeClr val="accent1"/>
+          </a:effectRef>
+          <a:fontRef idx="minor">
+            <a:schemeClr val="tx1"/>
+          </a:fontRef>
+        </p:style>
+      </p:cxnSp>
+      <p:sp>
+        <p:nvSpPr>
+          <p:cNvPr id="21" name="文字方塊 20">
+            <a:extLst>
+              <a:ext uri="{FF2B5EF4-FFF2-40B4-BE49-F238E27FC236}">
+                <a16:creationId xmlns:a16="http://schemas.microsoft.com/office/drawing/2014/main" id="{D3CC8D4E-2F76-415C-B77A-F947A5693E5A}"/>
+              </a:ext>
+            </a:extLst>
+          </p:cNvPr>
+          <p:cNvSpPr txBox="1"/>
+          <p:nvPr/>
+        </p:nvSpPr>
+        <p:spPr>
+          <a:xfrm>
+            <a:off x="6924174" y="1521995"/>
+            <a:ext cx="1897058" cy="369332"/>
+          </a:xfrm>
+          <a:prstGeom prst="rect">
+            <a:avLst/>
+          </a:prstGeom>
+          <a:noFill/>
+        </p:spPr>
+        <p:txBody>
+          <a:bodyPr wrap="none" rtlCol="0">
+            <a:spAutoFit/>
+          </a:bodyPr>
+          <a:lstStyle/>
+          <a:p>
+            <a:r>
+              <a:rPr lang="en-US" dirty="0"/>
+              <a:t>Main: MoveNext()</a:t>
+            </a:r>
+          </a:p>
+        </p:txBody>
+      </p:sp>
+      <p:sp>
+        <p:nvSpPr>
+          <p:cNvPr id="22" name="文字方塊 21">
+            <a:extLst>
+              <a:ext uri="{FF2B5EF4-FFF2-40B4-BE49-F238E27FC236}">
+                <a16:creationId xmlns:a16="http://schemas.microsoft.com/office/drawing/2014/main" id="{D02D9A81-2AAE-4BB4-9F34-DC744F0133A2}"/>
+              </a:ext>
+            </a:extLst>
+          </p:cNvPr>
+          <p:cNvSpPr txBox="1"/>
+          <p:nvPr/>
+        </p:nvSpPr>
+        <p:spPr>
+          <a:xfrm>
+            <a:off x="4890837" y="5029200"/>
+            <a:ext cx="1627946" cy="369332"/>
+          </a:xfrm>
+          <a:prstGeom prst="rect">
+            <a:avLst/>
+          </a:prstGeom>
+          <a:noFill/>
+        </p:spPr>
+        <p:txBody>
+          <a:bodyPr wrap="none" rtlCol="0">
+            <a:spAutoFit/>
+          </a:bodyPr>
+          <a:lstStyle/>
+          <a:p>
+            <a:r>
+              <a:rPr lang="en-US" dirty="0"/>
+              <a:t>P3: yield return</a:t>
+            </a:r>
+          </a:p>
+        </p:txBody>
+      </p:sp>
+      <p:sp>
+        <p:nvSpPr>
+          <p:cNvPr id="23" name="文字方塊 22">
+            <a:extLst>
+              <a:ext uri="{FF2B5EF4-FFF2-40B4-BE49-F238E27FC236}">
+                <a16:creationId xmlns:a16="http://schemas.microsoft.com/office/drawing/2014/main" id="{5C29163A-9E17-47C9-91CB-40C5F4919FAE}"/>
+              </a:ext>
+            </a:extLst>
+          </p:cNvPr>
+          <p:cNvSpPr txBox="1"/>
+          <p:nvPr/>
+        </p:nvSpPr>
+        <p:spPr>
+          <a:xfrm>
+            <a:off x="3335081" y="3665440"/>
+            <a:ext cx="1627946" cy="369332"/>
+          </a:xfrm>
+          <a:prstGeom prst="rect">
+            <a:avLst/>
+          </a:prstGeom>
+          <a:noFill/>
+        </p:spPr>
+        <p:txBody>
+          <a:bodyPr wrap="none" rtlCol="0">
+            <a:spAutoFit/>
+          </a:bodyPr>
+          <a:lstStyle/>
+          <a:p>
+            <a:r>
+              <a:rPr lang="en-US" dirty="0"/>
+              <a:t>P2: yield return</a:t>
+            </a:r>
+          </a:p>
+        </p:txBody>
+      </p:sp>
+      <p:sp>
+        <p:nvSpPr>
+          <p:cNvPr id="24" name="文字方塊 23">
+            <a:extLst>
+              <a:ext uri="{FF2B5EF4-FFF2-40B4-BE49-F238E27FC236}">
+                <a16:creationId xmlns:a16="http://schemas.microsoft.com/office/drawing/2014/main" id="{83FEB6BA-91A1-49C6-B5D8-03BCDB1820FE}"/>
+              </a:ext>
+            </a:extLst>
+          </p:cNvPr>
+          <p:cNvSpPr txBox="1"/>
+          <p:nvPr/>
+        </p:nvSpPr>
+        <p:spPr>
+          <a:xfrm>
+            <a:off x="2228176" y="2930794"/>
+            <a:ext cx="1627946" cy="369332"/>
+          </a:xfrm>
+          <a:prstGeom prst="rect">
+            <a:avLst/>
+          </a:prstGeom>
+          <a:noFill/>
+        </p:spPr>
+        <p:txBody>
+          <a:bodyPr wrap="none" rtlCol="0">
+            <a:spAutoFit/>
+          </a:bodyPr>
+          <a:lstStyle/>
+          <a:p>
+            <a:r>
+              <a:rPr lang="en-US" dirty="0"/>
+              <a:t>P1: yield return</a:t>
+            </a:r>
+          </a:p>
+        </p:txBody>
+      </p:sp>
+    </p:spTree>
+    <p:extLst>
+      <p:ext uri="{BB962C8B-B14F-4D97-AF65-F5344CB8AC3E}">
+        <p14:creationId xmlns:p14="http://schemas.microsoft.com/office/powerpoint/2010/main" val="2721982254"/>
+      </p:ext>
+    </p:extLst>
+  </p:cSld>
+  <p:clrMapOvr>
+    <a:masterClrMapping/>
+  </p:clrMapOvr>
+</p:sld>
+</file>
+
 <file path=ppt/theme/theme1.xml><?xml version="1.0" encoding="utf-8"?>
 <a:theme xmlns:a="http://schemas.openxmlformats.org/drawingml/2006/main" name="Office 佈景主題">
   <a:themeElements>

--- a/wp-content/images/2019-06-15-netcli-pipeline/簡報1.pptx
+++ b/wp-content/images/2019-06-15-netcli-pipeline/簡報1.pptx
@@ -7,6 +7,7 @@
   <p:sldIdLst>
     <p:sldId id="256" r:id="rId2"/>
     <p:sldId id="257" r:id="rId3"/>
+    <p:sldId id="258" r:id="rId4"/>
   </p:sldIdLst>
   <p:sldSz cx="12192000" cy="6858000"/>
   <p:notesSz cx="6858000" cy="9144000"/>
@@ -262,7 +263,7 @@
           <a:p>
             <a:fld id="{730C94D5-EF94-4313-B196-343973030133}" type="datetimeFigureOut">
               <a:rPr lang="en-US" smtClean="0"/>
-              <a:t>6/16/2019</a:t>
+              <a:t>6/19/2019</a:t>
             </a:fld>
             <a:endParaRPr lang="en-US"/>
           </a:p>
@@ -462,7 +463,7 @@
           <a:p>
             <a:fld id="{730C94D5-EF94-4313-B196-343973030133}" type="datetimeFigureOut">
               <a:rPr lang="en-US" smtClean="0"/>
-              <a:t>6/16/2019</a:t>
+              <a:t>6/19/2019</a:t>
             </a:fld>
             <a:endParaRPr lang="en-US"/>
           </a:p>
@@ -672,7 +673,7 @@
           <a:p>
             <a:fld id="{730C94D5-EF94-4313-B196-343973030133}" type="datetimeFigureOut">
               <a:rPr lang="en-US" smtClean="0"/>
-              <a:t>6/16/2019</a:t>
+              <a:t>6/19/2019</a:t>
             </a:fld>
             <a:endParaRPr lang="en-US"/>
           </a:p>
@@ -872,7 +873,7 @@
           <a:p>
             <a:fld id="{730C94D5-EF94-4313-B196-343973030133}" type="datetimeFigureOut">
               <a:rPr lang="en-US" smtClean="0"/>
-              <a:t>6/16/2019</a:t>
+              <a:t>6/19/2019</a:t>
             </a:fld>
             <a:endParaRPr lang="en-US"/>
           </a:p>
@@ -1148,7 +1149,7 @@
           <a:p>
             <a:fld id="{730C94D5-EF94-4313-B196-343973030133}" type="datetimeFigureOut">
               <a:rPr lang="en-US" smtClean="0"/>
-              <a:t>6/16/2019</a:t>
+              <a:t>6/19/2019</a:t>
             </a:fld>
             <a:endParaRPr lang="en-US"/>
           </a:p>
@@ -1416,7 +1417,7 @@
           <a:p>
             <a:fld id="{730C94D5-EF94-4313-B196-343973030133}" type="datetimeFigureOut">
               <a:rPr lang="en-US" smtClean="0"/>
-              <a:t>6/16/2019</a:t>
+              <a:t>6/19/2019</a:t>
             </a:fld>
             <a:endParaRPr lang="en-US"/>
           </a:p>
@@ -1831,7 +1832,7 @@
           <a:p>
             <a:fld id="{730C94D5-EF94-4313-B196-343973030133}" type="datetimeFigureOut">
               <a:rPr lang="en-US" smtClean="0"/>
-              <a:t>6/16/2019</a:t>
+              <a:t>6/19/2019</a:t>
             </a:fld>
             <a:endParaRPr lang="en-US"/>
           </a:p>
@@ -1973,7 +1974,7 @@
           <a:p>
             <a:fld id="{730C94D5-EF94-4313-B196-343973030133}" type="datetimeFigureOut">
               <a:rPr lang="en-US" smtClean="0"/>
-              <a:t>6/16/2019</a:t>
+              <a:t>6/19/2019</a:t>
             </a:fld>
             <a:endParaRPr lang="en-US"/>
           </a:p>
@@ -2086,7 +2087,7 @@
           <a:p>
             <a:fld id="{730C94D5-EF94-4313-B196-343973030133}" type="datetimeFigureOut">
               <a:rPr lang="en-US" smtClean="0"/>
-              <a:t>6/16/2019</a:t>
+              <a:t>6/19/2019</a:t>
             </a:fld>
             <a:endParaRPr lang="en-US"/>
           </a:p>
@@ -2399,7 +2400,7 @@
           <a:p>
             <a:fld id="{730C94D5-EF94-4313-B196-343973030133}" type="datetimeFigureOut">
               <a:rPr lang="en-US" smtClean="0"/>
-              <a:t>6/16/2019</a:t>
+              <a:t>6/19/2019</a:t>
             </a:fld>
             <a:endParaRPr lang="en-US"/>
           </a:p>
@@ -2688,7 +2689,7 @@
           <a:p>
             <a:fld id="{730C94D5-EF94-4313-B196-343973030133}" type="datetimeFigureOut">
               <a:rPr lang="en-US" smtClean="0"/>
-              <a:t>6/16/2019</a:t>
+              <a:t>6/19/2019</a:t>
             </a:fld>
             <a:endParaRPr lang="en-US"/>
           </a:p>
@@ -2931,7 +2932,7 @@
           <a:p>
             <a:fld id="{730C94D5-EF94-4313-B196-343973030133}" type="datetimeFigureOut">
               <a:rPr lang="en-US" smtClean="0"/>
-              <a:t>6/16/2019</a:t>
+              <a:t>6/19/2019</a:t>
             </a:fld>
             <a:endParaRPr lang="en-US"/>
           </a:p>
@@ -5739,6 +5740,1272 @@
 </p:sld>
 </file>
 
+<file path=ppt/slides/slide3.xml><?xml version="1.0" encoding="utf-8"?>
+<p:sld xmlns:a="http://schemas.openxmlformats.org/drawingml/2006/main" xmlns:r="http://schemas.openxmlformats.org/officeDocument/2006/relationships" xmlns:p="http://schemas.openxmlformats.org/presentationml/2006/main">
+  <p:cSld>
+    <p:spTree>
+      <p:nvGrpSpPr>
+        <p:cNvPr id="1" name=""/>
+        <p:cNvGrpSpPr/>
+        <p:nvPr/>
+      </p:nvGrpSpPr>
+      <p:grpSpPr>
+        <a:xfrm>
+          <a:off x="0" y="0"/>
+          <a:ext cx="0" cy="0"/>
+          <a:chOff x="0" y="0"/>
+          <a:chExt cx="0" cy="0"/>
+        </a:xfrm>
+      </p:grpSpPr>
+      <p:sp>
+        <p:nvSpPr>
+          <p:cNvPr id="5" name="圖說文字: 向右箭號 4">
+            <a:extLst>
+              <a:ext uri="{FF2B5EF4-FFF2-40B4-BE49-F238E27FC236}">
+                <a16:creationId xmlns:a16="http://schemas.microsoft.com/office/drawing/2014/main" id="{2114F14B-3F27-438E-9358-BE6552F0419C}"/>
+              </a:ext>
+            </a:extLst>
+          </p:cNvPr>
+          <p:cNvSpPr/>
+          <p:nvPr/>
+        </p:nvSpPr>
+        <p:spPr>
+          <a:xfrm>
+            <a:off x="586540" y="1383632"/>
+            <a:ext cx="2129589" cy="914400"/>
+          </a:xfrm>
+          <a:prstGeom prst="rightArrowCallout">
+            <a:avLst>
+              <a:gd name="adj1" fmla="val 25000"/>
+              <a:gd name="adj2" fmla="val 25000"/>
+              <a:gd name="adj3" fmla="val 25000"/>
+              <a:gd name="adj4" fmla="val 79949"/>
+            </a:avLst>
+          </a:prstGeom>
+        </p:spPr>
+        <p:style>
+          <a:lnRef idx="2">
+            <a:schemeClr val="accent1"/>
+          </a:lnRef>
+          <a:fillRef idx="1">
+            <a:schemeClr val="lt1"/>
+          </a:fillRef>
+          <a:effectRef idx="0">
+            <a:schemeClr val="accent1"/>
+          </a:effectRef>
+          <a:fontRef idx="minor">
+            <a:schemeClr val="dk1"/>
+          </a:fontRef>
+        </p:style>
+        <p:txBody>
+          <a:bodyPr rtlCol="0" anchor="ctr"/>
+          <a:lstStyle/>
+          <a:p>
+            <a:pPr algn="ctr"/>
+            <a:r>
+              <a:rPr lang="en-US" dirty="0"/>
+              <a:t>Generate DATA</a:t>
+            </a:r>
+          </a:p>
+        </p:txBody>
+      </p:sp>
+      <p:sp>
+        <p:nvSpPr>
+          <p:cNvPr id="6" name="圖說文字: 向右箭號 5">
+            <a:extLst>
+              <a:ext uri="{FF2B5EF4-FFF2-40B4-BE49-F238E27FC236}">
+                <a16:creationId xmlns:a16="http://schemas.microsoft.com/office/drawing/2014/main" id="{2AEAB73A-EE74-4CC1-AD69-08E22825C20B}"/>
+              </a:ext>
+            </a:extLst>
+          </p:cNvPr>
+          <p:cNvSpPr/>
+          <p:nvPr/>
+        </p:nvSpPr>
+        <p:spPr>
+          <a:xfrm>
+            <a:off x="3651585" y="1383632"/>
+            <a:ext cx="2129589" cy="914400"/>
+          </a:xfrm>
+          <a:prstGeom prst="rightArrowCallout">
+            <a:avLst>
+              <a:gd name="adj1" fmla="val 25000"/>
+              <a:gd name="adj2" fmla="val 25000"/>
+              <a:gd name="adj3" fmla="val 25000"/>
+              <a:gd name="adj4" fmla="val 79949"/>
+            </a:avLst>
+          </a:prstGeom>
+        </p:spPr>
+        <p:style>
+          <a:lnRef idx="2">
+            <a:schemeClr val="accent1"/>
+          </a:lnRef>
+          <a:fillRef idx="1">
+            <a:schemeClr val="lt1"/>
+          </a:fillRef>
+          <a:effectRef idx="0">
+            <a:schemeClr val="accent1"/>
+          </a:effectRef>
+          <a:fontRef idx="minor">
+            <a:schemeClr val="dk1"/>
+          </a:fontRef>
+        </p:style>
+        <p:txBody>
+          <a:bodyPr rtlCol="0" anchor="ctr"/>
+          <a:lstStyle/>
+          <a:p>
+            <a:pPr algn="ctr"/>
+            <a:r>
+              <a:rPr lang="en-US" dirty="0"/>
+              <a:t>Process P1</a:t>
+            </a:r>
+          </a:p>
+        </p:txBody>
+      </p:sp>
+      <p:sp>
+        <p:nvSpPr>
+          <p:cNvPr id="7" name="圖說文字: 向右箭號 6">
+            <a:extLst>
+              <a:ext uri="{FF2B5EF4-FFF2-40B4-BE49-F238E27FC236}">
+                <a16:creationId xmlns:a16="http://schemas.microsoft.com/office/drawing/2014/main" id="{ED29FCAF-B835-4276-945A-74F461470BCB}"/>
+              </a:ext>
+            </a:extLst>
+          </p:cNvPr>
+          <p:cNvSpPr/>
+          <p:nvPr/>
+        </p:nvSpPr>
+        <p:spPr>
+          <a:xfrm>
+            <a:off x="6716630" y="1383632"/>
+            <a:ext cx="2129589" cy="914400"/>
+          </a:xfrm>
+          <a:prstGeom prst="rightArrowCallout">
+            <a:avLst>
+              <a:gd name="adj1" fmla="val 25000"/>
+              <a:gd name="adj2" fmla="val 25000"/>
+              <a:gd name="adj3" fmla="val 25000"/>
+              <a:gd name="adj4" fmla="val 79949"/>
+            </a:avLst>
+          </a:prstGeom>
+        </p:spPr>
+        <p:style>
+          <a:lnRef idx="2">
+            <a:schemeClr val="accent1"/>
+          </a:lnRef>
+          <a:fillRef idx="1">
+            <a:schemeClr val="lt1"/>
+          </a:fillRef>
+          <a:effectRef idx="0">
+            <a:schemeClr val="accent1"/>
+          </a:effectRef>
+          <a:fontRef idx="minor">
+            <a:schemeClr val="dk1"/>
+          </a:fontRef>
+        </p:style>
+        <p:txBody>
+          <a:bodyPr rtlCol="0" anchor="ctr"/>
+          <a:lstStyle/>
+          <a:p>
+            <a:pPr algn="ctr"/>
+            <a:r>
+              <a:rPr lang="en-US" dirty="0"/>
+              <a:t>Process P2</a:t>
+            </a:r>
+          </a:p>
+        </p:txBody>
+      </p:sp>
+      <p:sp>
+        <p:nvSpPr>
+          <p:cNvPr id="8" name="圖說文字: 向右箭號 7">
+            <a:extLst>
+              <a:ext uri="{FF2B5EF4-FFF2-40B4-BE49-F238E27FC236}">
+                <a16:creationId xmlns:a16="http://schemas.microsoft.com/office/drawing/2014/main" id="{C15549D5-291E-48A9-B5AF-B867592B7885}"/>
+              </a:ext>
+            </a:extLst>
+          </p:cNvPr>
+          <p:cNvSpPr/>
+          <p:nvPr/>
+        </p:nvSpPr>
+        <p:spPr>
+          <a:xfrm>
+            <a:off x="9781675" y="1383632"/>
+            <a:ext cx="2129589" cy="914400"/>
+          </a:xfrm>
+          <a:prstGeom prst="rightArrowCallout">
+            <a:avLst>
+              <a:gd name="adj1" fmla="val 25000"/>
+              <a:gd name="adj2" fmla="val 25000"/>
+              <a:gd name="adj3" fmla="val 25000"/>
+              <a:gd name="adj4" fmla="val 79949"/>
+            </a:avLst>
+          </a:prstGeom>
+        </p:spPr>
+        <p:style>
+          <a:lnRef idx="2">
+            <a:schemeClr val="accent1"/>
+          </a:lnRef>
+          <a:fillRef idx="1">
+            <a:schemeClr val="lt1"/>
+          </a:fillRef>
+          <a:effectRef idx="0">
+            <a:schemeClr val="accent1"/>
+          </a:effectRef>
+          <a:fontRef idx="minor">
+            <a:schemeClr val="dk1"/>
+          </a:fontRef>
+        </p:style>
+        <p:txBody>
+          <a:bodyPr rtlCol="0" anchor="ctr"/>
+          <a:lstStyle/>
+          <a:p>
+            <a:pPr algn="ctr"/>
+            <a:r>
+              <a:rPr lang="en-US" dirty="0"/>
+              <a:t>Process P3</a:t>
+            </a:r>
+          </a:p>
+        </p:txBody>
+      </p:sp>
+      <p:sp>
+        <p:nvSpPr>
+          <p:cNvPr id="9" name="流程圖: 直接存取儲存裝置 8">
+            <a:extLst>
+              <a:ext uri="{FF2B5EF4-FFF2-40B4-BE49-F238E27FC236}">
+                <a16:creationId xmlns:a16="http://schemas.microsoft.com/office/drawing/2014/main" id="{81392945-2081-4E67-8666-2FCD44259770}"/>
+              </a:ext>
+            </a:extLst>
+          </p:cNvPr>
+          <p:cNvSpPr/>
+          <p:nvPr/>
+        </p:nvSpPr>
+        <p:spPr>
+          <a:xfrm>
+            <a:off x="2779294" y="1615240"/>
+            <a:ext cx="812132" cy="448176"/>
+          </a:xfrm>
+          <a:prstGeom prst="flowChartMagneticDrum">
+            <a:avLst/>
+          </a:prstGeom>
+        </p:spPr>
+        <p:style>
+          <a:lnRef idx="2">
+            <a:schemeClr val="accent2"/>
+          </a:lnRef>
+          <a:fillRef idx="1">
+            <a:schemeClr val="lt1"/>
+          </a:fillRef>
+          <a:effectRef idx="0">
+            <a:schemeClr val="accent2"/>
+          </a:effectRef>
+          <a:fontRef idx="minor">
+            <a:schemeClr val="dk1"/>
+          </a:fontRef>
+        </p:style>
+        <p:txBody>
+          <a:bodyPr rtlCol="0" anchor="ctr"/>
+          <a:lstStyle/>
+          <a:p>
+            <a:pPr algn="ctr"/>
+            <a:endParaRPr lang="en-US" dirty="0"/>
+          </a:p>
+        </p:txBody>
+      </p:sp>
+      <p:sp>
+        <p:nvSpPr>
+          <p:cNvPr id="10" name="流程圖: 直接存取儲存裝置 9">
+            <a:extLst>
+              <a:ext uri="{FF2B5EF4-FFF2-40B4-BE49-F238E27FC236}">
+                <a16:creationId xmlns:a16="http://schemas.microsoft.com/office/drawing/2014/main" id="{5E3C617E-DBBD-463D-8E3B-BCC735EB3AA4}"/>
+              </a:ext>
+            </a:extLst>
+          </p:cNvPr>
+          <p:cNvSpPr/>
+          <p:nvPr/>
+        </p:nvSpPr>
+        <p:spPr>
+          <a:xfrm>
+            <a:off x="5841333" y="1615240"/>
+            <a:ext cx="812132" cy="448176"/>
+          </a:xfrm>
+          <a:prstGeom prst="flowChartMagneticDrum">
+            <a:avLst/>
+          </a:prstGeom>
+        </p:spPr>
+        <p:style>
+          <a:lnRef idx="2">
+            <a:schemeClr val="accent2"/>
+          </a:lnRef>
+          <a:fillRef idx="1">
+            <a:schemeClr val="lt1"/>
+          </a:fillRef>
+          <a:effectRef idx="0">
+            <a:schemeClr val="accent2"/>
+          </a:effectRef>
+          <a:fontRef idx="minor">
+            <a:schemeClr val="dk1"/>
+          </a:fontRef>
+        </p:style>
+        <p:txBody>
+          <a:bodyPr rtlCol="0" anchor="ctr"/>
+          <a:lstStyle/>
+          <a:p>
+            <a:pPr algn="ctr"/>
+            <a:endParaRPr lang="en-US" dirty="0"/>
+          </a:p>
+        </p:txBody>
+      </p:sp>
+      <p:sp>
+        <p:nvSpPr>
+          <p:cNvPr id="11" name="流程圖: 直接存取儲存裝置 10">
+            <a:extLst>
+              <a:ext uri="{FF2B5EF4-FFF2-40B4-BE49-F238E27FC236}">
+                <a16:creationId xmlns:a16="http://schemas.microsoft.com/office/drawing/2014/main" id="{D46F1538-0B80-44BB-8521-AAC8403B2B31}"/>
+              </a:ext>
+            </a:extLst>
+          </p:cNvPr>
+          <p:cNvSpPr/>
+          <p:nvPr/>
+        </p:nvSpPr>
+        <p:spPr>
+          <a:xfrm>
+            <a:off x="8907881" y="1615240"/>
+            <a:ext cx="812132" cy="448176"/>
+          </a:xfrm>
+          <a:prstGeom prst="flowChartMagneticDrum">
+            <a:avLst/>
+          </a:prstGeom>
+        </p:spPr>
+        <p:style>
+          <a:lnRef idx="2">
+            <a:schemeClr val="accent2"/>
+          </a:lnRef>
+          <a:fillRef idx="1">
+            <a:schemeClr val="lt1"/>
+          </a:fillRef>
+          <a:effectRef idx="0">
+            <a:schemeClr val="accent2"/>
+          </a:effectRef>
+          <a:fontRef idx="minor">
+            <a:schemeClr val="dk1"/>
+          </a:fontRef>
+        </p:style>
+        <p:txBody>
+          <a:bodyPr rtlCol="0" anchor="ctr"/>
+          <a:lstStyle/>
+          <a:p>
+            <a:pPr algn="ctr"/>
+            <a:endParaRPr lang="en-US" dirty="0"/>
+          </a:p>
+        </p:txBody>
+      </p:sp>
+      <p:sp>
+        <p:nvSpPr>
+          <p:cNvPr id="12" name="文字方塊 11">
+            <a:extLst>
+              <a:ext uri="{FF2B5EF4-FFF2-40B4-BE49-F238E27FC236}">
+                <a16:creationId xmlns:a16="http://schemas.microsoft.com/office/drawing/2014/main" id="{04838FB3-E272-4471-99BD-5B7CA20CD85D}"/>
+              </a:ext>
+            </a:extLst>
+          </p:cNvPr>
+          <p:cNvSpPr txBox="1"/>
+          <p:nvPr/>
+        </p:nvSpPr>
+        <p:spPr>
+          <a:xfrm>
+            <a:off x="2556709" y="1974866"/>
+            <a:ext cx="1465466" cy="646331"/>
+          </a:xfrm>
+          <a:prstGeom prst="rect">
+            <a:avLst/>
+          </a:prstGeom>
+          <a:noFill/>
+        </p:spPr>
+        <p:txBody>
+          <a:bodyPr wrap="none" rtlCol="0">
+            <a:spAutoFit/>
+          </a:bodyPr>
+          <a:lstStyle/>
+          <a:p>
+            <a:r>
+              <a:rPr lang="en-US" altLang="zh-TW" dirty="0"/>
+              <a:t>Blocking</a:t>
+            </a:r>
+          </a:p>
+          <a:p>
+            <a:r>
+              <a:rPr lang="en-US" dirty="0"/>
+              <a:t>Collection&lt;T&gt;</a:t>
+            </a:r>
+          </a:p>
+        </p:txBody>
+      </p:sp>
+      <p:sp>
+        <p:nvSpPr>
+          <p:cNvPr id="13" name="文字方塊 12">
+            <a:extLst>
+              <a:ext uri="{FF2B5EF4-FFF2-40B4-BE49-F238E27FC236}">
+                <a16:creationId xmlns:a16="http://schemas.microsoft.com/office/drawing/2014/main" id="{C15FE8A5-B07D-4D96-92A5-DDED66D0E9AD}"/>
+              </a:ext>
+            </a:extLst>
+          </p:cNvPr>
+          <p:cNvSpPr txBox="1"/>
+          <p:nvPr/>
+        </p:nvSpPr>
+        <p:spPr>
+          <a:xfrm>
+            <a:off x="5678095" y="1974866"/>
+            <a:ext cx="1465466" cy="646331"/>
+          </a:xfrm>
+          <a:prstGeom prst="rect">
+            <a:avLst/>
+          </a:prstGeom>
+          <a:noFill/>
+        </p:spPr>
+        <p:txBody>
+          <a:bodyPr wrap="none" rtlCol="0">
+            <a:spAutoFit/>
+          </a:bodyPr>
+          <a:lstStyle/>
+          <a:p>
+            <a:r>
+              <a:rPr lang="en-US" altLang="zh-TW" dirty="0"/>
+              <a:t>Blocking</a:t>
+            </a:r>
+          </a:p>
+          <a:p>
+            <a:r>
+              <a:rPr lang="en-US" dirty="0"/>
+              <a:t>Collection&lt;T&gt;</a:t>
+            </a:r>
+          </a:p>
+        </p:txBody>
+      </p:sp>
+      <p:sp>
+        <p:nvSpPr>
+          <p:cNvPr id="14" name="文字方塊 13">
+            <a:extLst>
+              <a:ext uri="{FF2B5EF4-FFF2-40B4-BE49-F238E27FC236}">
+                <a16:creationId xmlns:a16="http://schemas.microsoft.com/office/drawing/2014/main" id="{5C9DBC1F-6C17-45C7-97C7-915759D8DFE6}"/>
+              </a:ext>
+            </a:extLst>
+          </p:cNvPr>
+          <p:cNvSpPr txBox="1"/>
+          <p:nvPr/>
+        </p:nvSpPr>
+        <p:spPr>
+          <a:xfrm>
+            <a:off x="8734116" y="1974866"/>
+            <a:ext cx="1465466" cy="646331"/>
+          </a:xfrm>
+          <a:prstGeom prst="rect">
+            <a:avLst/>
+          </a:prstGeom>
+          <a:noFill/>
+        </p:spPr>
+        <p:txBody>
+          <a:bodyPr wrap="none" rtlCol="0">
+            <a:spAutoFit/>
+          </a:bodyPr>
+          <a:lstStyle/>
+          <a:p>
+            <a:r>
+              <a:rPr lang="en-US" altLang="zh-TW" dirty="0"/>
+              <a:t>Blocking</a:t>
+            </a:r>
+          </a:p>
+          <a:p>
+            <a:r>
+              <a:rPr lang="en-US" dirty="0"/>
+              <a:t>Collection&lt;T&gt;</a:t>
+            </a:r>
+          </a:p>
+        </p:txBody>
+      </p:sp>
+      <p:sp>
+        <p:nvSpPr>
+          <p:cNvPr id="15" name="矩形 14">
+            <a:extLst>
+              <a:ext uri="{FF2B5EF4-FFF2-40B4-BE49-F238E27FC236}">
+                <a16:creationId xmlns:a16="http://schemas.microsoft.com/office/drawing/2014/main" id="{0C6BEA49-FD37-4257-89C2-353E41B7FE16}"/>
+              </a:ext>
+            </a:extLst>
+          </p:cNvPr>
+          <p:cNvSpPr/>
+          <p:nvPr/>
+        </p:nvSpPr>
+        <p:spPr>
+          <a:xfrm>
+            <a:off x="439153" y="1022684"/>
+            <a:ext cx="11622505" cy="1816769"/>
+          </a:xfrm>
+          <a:prstGeom prst="rect">
+            <a:avLst/>
+          </a:prstGeom>
+          <a:noFill/>
+          <a:ln>
+            <a:prstDash val="dash"/>
+          </a:ln>
+        </p:spPr>
+        <p:style>
+          <a:lnRef idx="2">
+            <a:schemeClr val="dk1"/>
+          </a:lnRef>
+          <a:fillRef idx="1">
+            <a:schemeClr val="lt1"/>
+          </a:fillRef>
+          <a:effectRef idx="0">
+            <a:schemeClr val="dk1"/>
+          </a:effectRef>
+          <a:fontRef idx="minor">
+            <a:schemeClr val="dk1"/>
+          </a:fontRef>
+        </p:style>
+        <p:txBody>
+          <a:bodyPr rtlCol="0" anchor="ctr"/>
+          <a:lstStyle/>
+          <a:p>
+            <a:pPr algn="ctr"/>
+            <a:endParaRPr lang="en-US"/>
+          </a:p>
+        </p:txBody>
+      </p:sp>
+      <p:sp>
+        <p:nvSpPr>
+          <p:cNvPr id="16" name="文字方塊 15">
+            <a:extLst>
+              <a:ext uri="{FF2B5EF4-FFF2-40B4-BE49-F238E27FC236}">
+                <a16:creationId xmlns:a16="http://schemas.microsoft.com/office/drawing/2014/main" id="{50097E2A-5A17-441E-9A8E-DDE9D0F08609}"/>
+              </a:ext>
+            </a:extLst>
+          </p:cNvPr>
+          <p:cNvSpPr txBox="1"/>
+          <p:nvPr/>
+        </p:nvSpPr>
+        <p:spPr>
+          <a:xfrm>
+            <a:off x="336882" y="733924"/>
+            <a:ext cx="894284" cy="369332"/>
+          </a:xfrm>
+          <a:prstGeom prst="rect">
+            <a:avLst/>
+          </a:prstGeom>
+          <a:noFill/>
+        </p:spPr>
+        <p:txBody>
+          <a:bodyPr wrap="none" rtlCol="0">
+            <a:spAutoFit/>
+          </a:bodyPr>
+          <a:lstStyle/>
+          <a:p>
+            <a:r>
+              <a:rPr lang="en-US" dirty="0"/>
+              <a:t>Process</a:t>
+            </a:r>
+          </a:p>
+        </p:txBody>
+      </p:sp>
+      <p:sp>
+        <p:nvSpPr>
+          <p:cNvPr id="17" name="圖說文字: 向右箭號 16">
+            <a:extLst>
+              <a:ext uri="{FF2B5EF4-FFF2-40B4-BE49-F238E27FC236}">
+                <a16:creationId xmlns:a16="http://schemas.microsoft.com/office/drawing/2014/main" id="{F2F70D80-FA46-44C5-A69F-0B00B1BE795F}"/>
+              </a:ext>
+            </a:extLst>
+          </p:cNvPr>
+          <p:cNvSpPr/>
+          <p:nvPr/>
+        </p:nvSpPr>
+        <p:spPr>
+          <a:xfrm>
+            <a:off x="586540" y="4423296"/>
+            <a:ext cx="2129589" cy="914400"/>
+          </a:xfrm>
+          <a:prstGeom prst="rightArrowCallout">
+            <a:avLst>
+              <a:gd name="adj1" fmla="val 25000"/>
+              <a:gd name="adj2" fmla="val 25000"/>
+              <a:gd name="adj3" fmla="val 25000"/>
+              <a:gd name="adj4" fmla="val 79949"/>
+            </a:avLst>
+          </a:prstGeom>
+        </p:spPr>
+        <p:style>
+          <a:lnRef idx="2">
+            <a:schemeClr val="accent1"/>
+          </a:lnRef>
+          <a:fillRef idx="1">
+            <a:schemeClr val="lt1"/>
+          </a:fillRef>
+          <a:effectRef idx="0">
+            <a:schemeClr val="accent1"/>
+          </a:effectRef>
+          <a:fontRef idx="minor">
+            <a:schemeClr val="dk1"/>
+          </a:fontRef>
+        </p:style>
+        <p:txBody>
+          <a:bodyPr rtlCol="0" anchor="ctr"/>
+          <a:lstStyle/>
+          <a:p>
+            <a:pPr algn="ctr"/>
+            <a:r>
+              <a:rPr lang="en-US" dirty="0"/>
+              <a:t>CLI-DATA</a:t>
+            </a:r>
+          </a:p>
+        </p:txBody>
+      </p:sp>
+      <p:sp>
+        <p:nvSpPr>
+          <p:cNvPr id="18" name="圖說文字: 向右箭號 17">
+            <a:extLst>
+              <a:ext uri="{FF2B5EF4-FFF2-40B4-BE49-F238E27FC236}">
+                <a16:creationId xmlns:a16="http://schemas.microsoft.com/office/drawing/2014/main" id="{8ACBCBA1-6715-4B13-AFA8-8A511ED42CBF}"/>
+              </a:ext>
+            </a:extLst>
+          </p:cNvPr>
+          <p:cNvSpPr/>
+          <p:nvPr/>
+        </p:nvSpPr>
+        <p:spPr>
+          <a:xfrm>
+            <a:off x="3651585" y="4423296"/>
+            <a:ext cx="2129589" cy="914400"/>
+          </a:xfrm>
+          <a:prstGeom prst="rightArrowCallout">
+            <a:avLst>
+              <a:gd name="adj1" fmla="val 25000"/>
+              <a:gd name="adj2" fmla="val 25000"/>
+              <a:gd name="adj3" fmla="val 25000"/>
+              <a:gd name="adj4" fmla="val 79949"/>
+            </a:avLst>
+          </a:prstGeom>
+        </p:spPr>
+        <p:style>
+          <a:lnRef idx="2">
+            <a:schemeClr val="accent1"/>
+          </a:lnRef>
+          <a:fillRef idx="1">
+            <a:schemeClr val="lt1"/>
+          </a:fillRef>
+          <a:effectRef idx="0">
+            <a:schemeClr val="accent1"/>
+          </a:effectRef>
+          <a:fontRef idx="minor">
+            <a:schemeClr val="dk1"/>
+          </a:fontRef>
+        </p:style>
+        <p:txBody>
+          <a:bodyPr rtlCol="0" anchor="ctr"/>
+          <a:lstStyle/>
+          <a:p>
+            <a:pPr algn="ctr"/>
+            <a:r>
+              <a:rPr lang="en-US" dirty="0"/>
+              <a:t>CLI-P1</a:t>
+            </a:r>
+          </a:p>
+        </p:txBody>
+      </p:sp>
+      <p:sp>
+        <p:nvSpPr>
+          <p:cNvPr id="19" name="圖說文字: 向右箭號 18">
+            <a:extLst>
+              <a:ext uri="{FF2B5EF4-FFF2-40B4-BE49-F238E27FC236}">
+                <a16:creationId xmlns:a16="http://schemas.microsoft.com/office/drawing/2014/main" id="{200C9368-64FF-4B40-955A-2E6A0C6D4CC7}"/>
+              </a:ext>
+            </a:extLst>
+          </p:cNvPr>
+          <p:cNvSpPr/>
+          <p:nvPr/>
+        </p:nvSpPr>
+        <p:spPr>
+          <a:xfrm>
+            <a:off x="6716630" y="4423296"/>
+            <a:ext cx="2129589" cy="914400"/>
+          </a:xfrm>
+          <a:prstGeom prst="rightArrowCallout">
+            <a:avLst>
+              <a:gd name="adj1" fmla="val 25000"/>
+              <a:gd name="adj2" fmla="val 25000"/>
+              <a:gd name="adj3" fmla="val 25000"/>
+              <a:gd name="adj4" fmla="val 79949"/>
+            </a:avLst>
+          </a:prstGeom>
+        </p:spPr>
+        <p:style>
+          <a:lnRef idx="2">
+            <a:schemeClr val="accent1"/>
+          </a:lnRef>
+          <a:fillRef idx="1">
+            <a:schemeClr val="lt1"/>
+          </a:fillRef>
+          <a:effectRef idx="0">
+            <a:schemeClr val="accent1"/>
+          </a:effectRef>
+          <a:fontRef idx="minor">
+            <a:schemeClr val="dk1"/>
+          </a:fontRef>
+        </p:style>
+        <p:txBody>
+          <a:bodyPr rtlCol="0" anchor="ctr"/>
+          <a:lstStyle/>
+          <a:p>
+            <a:pPr algn="ctr"/>
+            <a:r>
+              <a:rPr lang="en-US" dirty="0"/>
+              <a:t>CLI-P2</a:t>
+            </a:r>
+          </a:p>
+        </p:txBody>
+      </p:sp>
+      <p:sp>
+        <p:nvSpPr>
+          <p:cNvPr id="20" name="圖說文字: 向右箭號 19">
+            <a:extLst>
+              <a:ext uri="{FF2B5EF4-FFF2-40B4-BE49-F238E27FC236}">
+                <a16:creationId xmlns:a16="http://schemas.microsoft.com/office/drawing/2014/main" id="{F54C318C-B6B6-4F4B-A021-E624AAC60936}"/>
+              </a:ext>
+            </a:extLst>
+          </p:cNvPr>
+          <p:cNvSpPr/>
+          <p:nvPr/>
+        </p:nvSpPr>
+        <p:spPr>
+          <a:xfrm>
+            <a:off x="9781675" y="4423296"/>
+            <a:ext cx="2129589" cy="914400"/>
+          </a:xfrm>
+          <a:prstGeom prst="rightArrowCallout">
+            <a:avLst>
+              <a:gd name="adj1" fmla="val 25000"/>
+              <a:gd name="adj2" fmla="val 25000"/>
+              <a:gd name="adj3" fmla="val 25000"/>
+              <a:gd name="adj4" fmla="val 79949"/>
+            </a:avLst>
+          </a:prstGeom>
+        </p:spPr>
+        <p:style>
+          <a:lnRef idx="2">
+            <a:schemeClr val="accent1"/>
+          </a:lnRef>
+          <a:fillRef idx="1">
+            <a:schemeClr val="lt1"/>
+          </a:fillRef>
+          <a:effectRef idx="0">
+            <a:schemeClr val="accent1"/>
+          </a:effectRef>
+          <a:fontRef idx="minor">
+            <a:schemeClr val="dk1"/>
+          </a:fontRef>
+        </p:style>
+        <p:txBody>
+          <a:bodyPr rtlCol="0" anchor="ctr"/>
+          <a:lstStyle/>
+          <a:p>
+            <a:pPr algn="ctr"/>
+            <a:r>
+              <a:rPr lang="en-US" dirty="0"/>
+              <a:t>CLI-P3</a:t>
+            </a:r>
+          </a:p>
+        </p:txBody>
+      </p:sp>
+      <p:sp>
+        <p:nvSpPr>
+          <p:cNvPr id="21" name="流程圖: 直接存取儲存裝置 20">
+            <a:extLst>
+              <a:ext uri="{FF2B5EF4-FFF2-40B4-BE49-F238E27FC236}">
+                <a16:creationId xmlns:a16="http://schemas.microsoft.com/office/drawing/2014/main" id="{1F3FEF99-4884-480B-8437-23DBADAE94EF}"/>
+              </a:ext>
+            </a:extLst>
+          </p:cNvPr>
+          <p:cNvSpPr/>
+          <p:nvPr/>
+        </p:nvSpPr>
+        <p:spPr>
+          <a:xfrm>
+            <a:off x="2779294" y="4654904"/>
+            <a:ext cx="812132" cy="448176"/>
+          </a:xfrm>
+          <a:prstGeom prst="flowChartMagneticDrum">
+            <a:avLst/>
+          </a:prstGeom>
+        </p:spPr>
+        <p:style>
+          <a:lnRef idx="2">
+            <a:schemeClr val="accent2"/>
+          </a:lnRef>
+          <a:fillRef idx="1">
+            <a:schemeClr val="lt1"/>
+          </a:fillRef>
+          <a:effectRef idx="0">
+            <a:schemeClr val="accent2"/>
+          </a:effectRef>
+          <a:fontRef idx="minor">
+            <a:schemeClr val="dk1"/>
+          </a:fontRef>
+        </p:style>
+        <p:txBody>
+          <a:bodyPr rtlCol="0" anchor="ctr"/>
+          <a:lstStyle/>
+          <a:p>
+            <a:pPr algn="ctr"/>
+            <a:endParaRPr lang="en-US" dirty="0"/>
+          </a:p>
+        </p:txBody>
+      </p:sp>
+      <p:sp>
+        <p:nvSpPr>
+          <p:cNvPr id="22" name="流程圖: 直接存取儲存裝置 21">
+            <a:extLst>
+              <a:ext uri="{FF2B5EF4-FFF2-40B4-BE49-F238E27FC236}">
+                <a16:creationId xmlns:a16="http://schemas.microsoft.com/office/drawing/2014/main" id="{E6C0DF26-E1AC-47C9-938A-A83461CA1869}"/>
+              </a:ext>
+            </a:extLst>
+          </p:cNvPr>
+          <p:cNvSpPr/>
+          <p:nvPr/>
+        </p:nvSpPr>
+        <p:spPr>
+          <a:xfrm>
+            <a:off x="5841333" y="4654904"/>
+            <a:ext cx="812132" cy="448176"/>
+          </a:xfrm>
+          <a:prstGeom prst="flowChartMagneticDrum">
+            <a:avLst/>
+          </a:prstGeom>
+        </p:spPr>
+        <p:style>
+          <a:lnRef idx="2">
+            <a:schemeClr val="accent2"/>
+          </a:lnRef>
+          <a:fillRef idx="1">
+            <a:schemeClr val="lt1"/>
+          </a:fillRef>
+          <a:effectRef idx="0">
+            <a:schemeClr val="accent2"/>
+          </a:effectRef>
+          <a:fontRef idx="minor">
+            <a:schemeClr val="dk1"/>
+          </a:fontRef>
+        </p:style>
+        <p:txBody>
+          <a:bodyPr rtlCol="0" anchor="ctr"/>
+          <a:lstStyle/>
+          <a:p>
+            <a:pPr algn="ctr"/>
+            <a:endParaRPr lang="en-US" dirty="0"/>
+          </a:p>
+        </p:txBody>
+      </p:sp>
+      <p:sp>
+        <p:nvSpPr>
+          <p:cNvPr id="23" name="流程圖: 直接存取儲存裝置 22">
+            <a:extLst>
+              <a:ext uri="{FF2B5EF4-FFF2-40B4-BE49-F238E27FC236}">
+                <a16:creationId xmlns:a16="http://schemas.microsoft.com/office/drawing/2014/main" id="{23797A21-1188-4F04-9007-A7B7CE951B81}"/>
+              </a:ext>
+            </a:extLst>
+          </p:cNvPr>
+          <p:cNvSpPr/>
+          <p:nvPr/>
+        </p:nvSpPr>
+        <p:spPr>
+          <a:xfrm>
+            <a:off x="8907881" y="4654904"/>
+            <a:ext cx="812132" cy="448176"/>
+          </a:xfrm>
+          <a:prstGeom prst="flowChartMagneticDrum">
+            <a:avLst/>
+          </a:prstGeom>
+        </p:spPr>
+        <p:style>
+          <a:lnRef idx="2">
+            <a:schemeClr val="accent2"/>
+          </a:lnRef>
+          <a:fillRef idx="1">
+            <a:schemeClr val="lt1"/>
+          </a:fillRef>
+          <a:effectRef idx="0">
+            <a:schemeClr val="accent2"/>
+          </a:effectRef>
+          <a:fontRef idx="minor">
+            <a:schemeClr val="dk1"/>
+          </a:fontRef>
+        </p:style>
+        <p:txBody>
+          <a:bodyPr rtlCol="0" anchor="ctr"/>
+          <a:lstStyle/>
+          <a:p>
+            <a:pPr algn="ctr"/>
+            <a:endParaRPr lang="en-US" dirty="0"/>
+          </a:p>
+        </p:txBody>
+      </p:sp>
+      <p:sp>
+        <p:nvSpPr>
+          <p:cNvPr id="24" name="文字方塊 23">
+            <a:extLst>
+              <a:ext uri="{FF2B5EF4-FFF2-40B4-BE49-F238E27FC236}">
+                <a16:creationId xmlns:a16="http://schemas.microsoft.com/office/drawing/2014/main" id="{1FCDE08B-2ADD-4776-AEF5-29BD8CFAA254}"/>
+              </a:ext>
+            </a:extLst>
+          </p:cNvPr>
+          <p:cNvSpPr txBox="1"/>
+          <p:nvPr/>
+        </p:nvSpPr>
+        <p:spPr>
+          <a:xfrm>
+            <a:off x="2707106" y="5014530"/>
+            <a:ext cx="939681" cy="646331"/>
+          </a:xfrm>
+          <a:prstGeom prst="rect">
+            <a:avLst/>
+          </a:prstGeom>
+          <a:noFill/>
+        </p:spPr>
+        <p:txBody>
+          <a:bodyPr wrap="none" rtlCol="0">
+            <a:spAutoFit/>
+          </a:bodyPr>
+          <a:lstStyle/>
+          <a:p>
+            <a:r>
+              <a:rPr lang="en-US" dirty="0"/>
+              <a:t>Pipeline</a:t>
+            </a:r>
+          </a:p>
+          <a:p>
+            <a:r>
+              <a:rPr lang="en-US" dirty="0"/>
+              <a:t>buffer</a:t>
+            </a:r>
+          </a:p>
+        </p:txBody>
+      </p:sp>
+      <p:sp>
+        <p:nvSpPr>
+          <p:cNvPr id="27" name="矩形 26">
+            <a:extLst>
+              <a:ext uri="{FF2B5EF4-FFF2-40B4-BE49-F238E27FC236}">
+                <a16:creationId xmlns:a16="http://schemas.microsoft.com/office/drawing/2014/main" id="{525022B6-6E1D-42C4-870B-404F0D9C1081}"/>
+              </a:ext>
+            </a:extLst>
+          </p:cNvPr>
+          <p:cNvSpPr/>
+          <p:nvPr/>
+        </p:nvSpPr>
+        <p:spPr>
+          <a:xfrm>
+            <a:off x="439153" y="4062348"/>
+            <a:ext cx="2340141" cy="1816769"/>
+          </a:xfrm>
+          <a:prstGeom prst="rect">
+            <a:avLst/>
+          </a:prstGeom>
+          <a:noFill/>
+          <a:ln>
+            <a:prstDash val="dash"/>
+          </a:ln>
+        </p:spPr>
+        <p:style>
+          <a:lnRef idx="2">
+            <a:schemeClr val="dk1"/>
+          </a:lnRef>
+          <a:fillRef idx="1">
+            <a:schemeClr val="lt1"/>
+          </a:fillRef>
+          <a:effectRef idx="0">
+            <a:schemeClr val="dk1"/>
+          </a:effectRef>
+          <a:fontRef idx="minor">
+            <a:schemeClr val="dk1"/>
+          </a:fontRef>
+        </p:style>
+        <p:txBody>
+          <a:bodyPr rtlCol="0" anchor="ctr"/>
+          <a:lstStyle/>
+          <a:p>
+            <a:pPr algn="ctr"/>
+            <a:endParaRPr lang="en-US"/>
+          </a:p>
+        </p:txBody>
+      </p:sp>
+      <p:sp>
+        <p:nvSpPr>
+          <p:cNvPr id="28" name="文字方塊 27">
+            <a:extLst>
+              <a:ext uri="{FF2B5EF4-FFF2-40B4-BE49-F238E27FC236}">
+                <a16:creationId xmlns:a16="http://schemas.microsoft.com/office/drawing/2014/main" id="{21DE6AB9-3DFE-4CB4-8157-F20FBC72AF57}"/>
+              </a:ext>
+            </a:extLst>
+          </p:cNvPr>
+          <p:cNvSpPr txBox="1"/>
+          <p:nvPr/>
+        </p:nvSpPr>
+        <p:spPr>
+          <a:xfrm>
+            <a:off x="336882" y="3773588"/>
+            <a:ext cx="894284" cy="369332"/>
+          </a:xfrm>
+          <a:prstGeom prst="rect">
+            <a:avLst/>
+          </a:prstGeom>
+          <a:noFill/>
+        </p:spPr>
+        <p:txBody>
+          <a:bodyPr wrap="none" rtlCol="0">
+            <a:spAutoFit/>
+          </a:bodyPr>
+          <a:lstStyle/>
+          <a:p>
+            <a:r>
+              <a:rPr lang="en-US" dirty="0"/>
+              <a:t>Process</a:t>
+            </a:r>
+          </a:p>
+        </p:txBody>
+      </p:sp>
+      <p:sp>
+        <p:nvSpPr>
+          <p:cNvPr id="29" name="矩形 28">
+            <a:extLst>
+              <a:ext uri="{FF2B5EF4-FFF2-40B4-BE49-F238E27FC236}">
+                <a16:creationId xmlns:a16="http://schemas.microsoft.com/office/drawing/2014/main" id="{48CDC691-DC31-4ACF-8A16-78ABDDDB198E}"/>
+              </a:ext>
+            </a:extLst>
+          </p:cNvPr>
+          <p:cNvSpPr/>
+          <p:nvPr/>
+        </p:nvSpPr>
+        <p:spPr>
+          <a:xfrm>
+            <a:off x="3546308" y="4062348"/>
+            <a:ext cx="2340141" cy="1816769"/>
+          </a:xfrm>
+          <a:prstGeom prst="rect">
+            <a:avLst/>
+          </a:prstGeom>
+          <a:noFill/>
+          <a:ln>
+            <a:prstDash val="dash"/>
+          </a:ln>
+        </p:spPr>
+        <p:style>
+          <a:lnRef idx="2">
+            <a:schemeClr val="dk1"/>
+          </a:lnRef>
+          <a:fillRef idx="1">
+            <a:schemeClr val="lt1"/>
+          </a:fillRef>
+          <a:effectRef idx="0">
+            <a:schemeClr val="dk1"/>
+          </a:effectRef>
+          <a:fontRef idx="minor">
+            <a:schemeClr val="dk1"/>
+          </a:fontRef>
+        </p:style>
+        <p:txBody>
+          <a:bodyPr rtlCol="0" anchor="ctr"/>
+          <a:lstStyle/>
+          <a:p>
+            <a:pPr algn="ctr"/>
+            <a:endParaRPr lang="en-US"/>
+          </a:p>
+        </p:txBody>
+      </p:sp>
+      <p:sp>
+        <p:nvSpPr>
+          <p:cNvPr id="30" name="矩形 29">
+            <a:extLst>
+              <a:ext uri="{FF2B5EF4-FFF2-40B4-BE49-F238E27FC236}">
+                <a16:creationId xmlns:a16="http://schemas.microsoft.com/office/drawing/2014/main" id="{0958794C-1AE8-4A2A-92A1-65C6F9D5667D}"/>
+              </a:ext>
+            </a:extLst>
+          </p:cNvPr>
+          <p:cNvSpPr/>
+          <p:nvPr/>
+        </p:nvSpPr>
+        <p:spPr>
+          <a:xfrm>
+            <a:off x="6567740" y="4062348"/>
+            <a:ext cx="2340141" cy="1816769"/>
+          </a:xfrm>
+          <a:prstGeom prst="rect">
+            <a:avLst/>
+          </a:prstGeom>
+          <a:noFill/>
+          <a:ln>
+            <a:prstDash val="dash"/>
+          </a:ln>
+        </p:spPr>
+        <p:style>
+          <a:lnRef idx="2">
+            <a:schemeClr val="dk1"/>
+          </a:lnRef>
+          <a:fillRef idx="1">
+            <a:schemeClr val="lt1"/>
+          </a:fillRef>
+          <a:effectRef idx="0">
+            <a:schemeClr val="dk1"/>
+          </a:effectRef>
+          <a:fontRef idx="minor">
+            <a:schemeClr val="dk1"/>
+          </a:fontRef>
+        </p:style>
+        <p:txBody>
+          <a:bodyPr rtlCol="0" anchor="ctr"/>
+          <a:lstStyle/>
+          <a:p>
+            <a:pPr algn="ctr"/>
+            <a:endParaRPr lang="en-US"/>
+          </a:p>
+        </p:txBody>
+      </p:sp>
+      <p:sp>
+        <p:nvSpPr>
+          <p:cNvPr id="31" name="矩形 30">
+            <a:extLst>
+              <a:ext uri="{FF2B5EF4-FFF2-40B4-BE49-F238E27FC236}">
+                <a16:creationId xmlns:a16="http://schemas.microsoft.com/office/drawing/2014/main" id="{F45644E6-7F84-47F2-A91D-84BD99117323}"/>
+              </a:ext>
+            </a:extLst>
+          </p:cNvPr>
+          <p:cNvSpPr/>
+          <p:nvPr/>
+        </p:nvSpPr>
+        <p:spPr>
+          <a:xfrm>
+            <a:off x="9635291" y="4062348"/>
+            <a:ext cx="2340141" cy="1816769"/>
+          </a:xfrm>
+          <a:prstGeom prst="rect">
+            <a:avLst/>
+          </a:prstGeom>
+          <a:noFill/>
+          <a:ln>
+            <a:prstDash val="dash"/>
+          </a:ln>
+        </p:spPr>
+        <p:style>
+          <a:lnRef idx="2">
+            <a:schemeClr val="dk1"/>
+          </a:lnRef>
+          <a:fillRef idx="1">
+            <a:schemeClr val="lt1"/>
+          </a:fillRef>
+          <a:effectRef idx="0">
+            <a:schemeClr val="dk1"/>
+          </a:effectRef>
+          <a:fontRef idx="minor">
+            <a:schemeClr val="dk1"/>
+          </a:fontRef>
+        </p:style>
+        <p:txBody>
+          <a:bodyPr rtlCol="0" anchor="ctr"/>
+          <a:lstStyle/>
+          <a:p>
+            <a:pPr algn="ctr"/>
+            <a:endParaRPr lang="en-US"/>
+          </a:p>
+        </p:txBody>
+      </p:sp>
+      <p:sp>
+        <p:nvSpPr>
+          <p:cNvPr id="32" name="文字方塊 31">
+            <a:extLst>
+              <a:ext uri="{FF2B5EF4-FFF2-40B4-BE49-F238E27FC236}">
+                <a16:creationId xmlns:a16="http://schemas.microsoft.com/office/drawing/2014/main" id="{D64836E9-E748-4EFA-B6A0-56DA710CEC36}"/>
+              </a:ext>
+            </a:extLst>
+          </p:cNvPr>
+          <p:cNvSpPr txBox="1"/>
+          <p:nvPr/>
+        </p:nvSpPr>
+        <p:spPr>
+          <a:xfrm>
+            <a:off x="5803040" y="5014530"/>
+            <a:ext cx="939681" cy="646331"/>
+          </a:xfrm>
+          <a:prstGeom prst="rect">
+            <a:avLst/>
+          </a:prstGeom>
+          <a:noFill/>
+        </p:spPr>
+        <p:txBody>
+          <a:bodyPr wrap="none" rtlCol="0">
+            <a:spAutoFit/>
+          </a:bodyPr>
+          <a:lstStyle/>
+          <a:p>
+            <a:r>
+              <a:rPr lang="en-US" dirty="0"/>
+              <a:t>Pipeline</a:t>
+            </a:r>
+          </a:p>
+          <a:p>
+            <a:r>
+              <a:rPr lang="en-US" dirty="0"/>
+              <a:t>buffer</a:t>
+            </a:r>
+          </a:p>
+        </p:txBody>
+      </p:sp>
+      <p:sp>
+        <p:nvSpPr>
+          <p:cNvPr id="33" name="文字方塊 32">
+            <a:extLst>
+              <a:ext uri="{FF2B5EF4-FFF2-40B4-BE49-F238E27FC236}">
+                <a16:creationId xmlns:a16="http://schemas.microsoft.com/office/drawing/2014/main" id="{70B5DBC0-6F06-4A83-9BDE-7FA781B55C43}"/>
+              </a:ext>
+            </a:extLst>
+          </p:cNvPr>
+          <p:cNvSpPr txBox="1"/>
+          <p:nvPr/>
+        </p:nvSpPr>
+        <p:spPr>
+          <a:xfrm>
+            <a:off x="8841994" y="5014530"/>
+            <a:ext cx="939681" cy="646331"/>
+          </a:xfrm>
+          <a:prstGeom prst="rect">
+            <a:avLst/>
+          </a:prstGeom>
+          <a:noFill/>
+        </p:spPr>
+        <p:txBody>
+          <a:bodyPr wrap="none" rtlCol="0">
+            <a:spAutoFit/>
+          </a:bodyPr>
+          <a:lstStyle/>
+          <a:p>
+            <a:r>
+              <a:rPr lang="en-US" dirty="0"/>
+              <a:t>Pipeline</a:t>
+            </a:r>
+          </a:p>
+          <a:p>
+            <a:r>
+              <a:rPr lang="en-US" dirty="0"/>
+              <a:t>buffer</a:t>
+            </a:r>
+          </a:p>
+        </p:txBody>
+      </p:sp>
+    </p:spTree>
+    <p:extLst>
+      <p:ext uri="{BB962C8B-B14F-4D97-AF65-F5344CB8AC3E}">
+        <p14:creationId xmlns:p14="http://schemas.microsoft.com/office/powerpoint/2010/main" val="2922812519"/>
+      </p:ext>
+    </p:extLst>
+  </p:cSld>
+  <p:clrMapOvr>
+    <a:masterClrMapping/>
+  </p:clrMapOvr>
+</p:sld>
+</file>
+
 <file path=ppt/theme/theme1.xml><?xml version="1.0" encoding="utf-8"?>
 <a:theme xmlns:a="http://schemas.openxmlformats.org/drawingml/2006/main" name="Office 佈景主題">
   <a:themeElements>
